--- a/CERT_talk/figures/OverloadingAndAMR.pptx
+++ b/CERT_talk/figures/OverloadingAndAMR.pptx
@@ -5447,10 +5447,9 @@
           <a:lstStyle/>
           <a:p>
             <a:r>
-              <a:rPr lang="en-US" smtClean="0"/>
+              <a:rPr lang="en-US" dirty="0" smtClean="0"/>
               <a:t>P:6</a:t>
             </a:r>
-            <a:endParaRPr lang="en-US" dirty="0" smtClean="0"/>
           </a:p>
           <a:p>
             <a:r>

--- a/CERT_talk/figures/OverloadingAndAMR.pptx
+++ b/CERT_talk/figures/OverloadingAndAMR.pptx
@@ -2974,7 +2974,7 @@
         </p:nvSpPr>
         <p:spPr>
           <a:xfrm>
-            <a:off x="2673752" y="1169043"/>
+            <a:off x="2673752" y="1192192"/>
             <a:ext cx="5474825" cy="4595149"/>
           </a:xfrm>
           <a:prstGeom prst="rect">
@@ -3015,7 +3015,7 @@
         </p:nvCxnSpPr>
         <p:spPr>
           <a:xfrm>
-            <a:off x="6354501" y="1169043"/>
+            <a:off x="6354501" y="1192192"/>
             <a:ext cx="0" cy="4595149"/>
           </a:xfrm>
           <a:prstGeom prst="line">
@@ -3045,7 +3045,7 @@
         </p:nvCxnSpPr>
         <p:spPr>
           <a:xfrm>
-            <a:off x="4411884" y="1169043"/>
+            <a:off x="4411884" y="1192192"/>
             <a:ext cx="0" cy="4595149"/>
           </a:xfrm>
           <a:prstGeom prst="line">
@@ -3075,7 +3075,7 @@
         </p:nvCxnSpPr>
         <p:spPr>
           <a:xfrm>
-            <a:off x="2673752" y="2627454"/>
+            <a:off x="2673752" y="2650603"/>
             <a:ext cx="5474825" cy="0"/>
           </a:xfrm>
           <a:prstGeom prst="line">
@@ -3105,7 +3105,7 @@
         </p:nvCxnSpPr>
         <p:spPr>
           <a:xfrm>
-            <a:off x="2673752" y="4284562"/>
+            <a:off x="2673752" y="4307711"/>
             <a:ext cx="5474825" cy="0"/>
           </a:xfrm>
           <a:prstGeom prst="line">
@@ -3135,7 +3135,7 @@
         </p:nvSpPr>
         <p:spPr>
           <a:xfrm>
-            <a:off x="3261914" y="4701212"/>
+            <a:off x="3261914" y="4724361"/>
             <a:ext cx="561809" cy="646331"/>
           </a:xfrm>
           <a:prstGeom prst="rect">
@@ -3170,13 +3170,17 @@
         </p:nvSpPr>
         <p:spPr>
           <a:xfrm>
-            <a:off x="3261914" y="3106741"/>
+            <a:off x="3261914" y="3129890"/>
             <a:ext cx="561809" cy="646331"/>
           </a:xfrm>
           <a:prstGeom prst="rect">
             <a:avLst/>
           </a:prstGeom>
-          <a:noFill/>
+          <a:solidFill>
+            <a:srgbClr val="FF0000">
+              <a:alpha val="50000"/>
+            </a:srgbClr>
+          </a:solidFill>
         </p:spPr>
         <p:txBody>
           <a:bodyPr wrap="square" rtlCol="0">
@@ -3206,7 +3210,7 @@
         </p:nvSpPr>
         <p:spPr>
           <a:xfrm>
-            <a:off x="3275089" y="1575083"/>
+            <a:off x="3275089" y="1598232"/>
             <a:ext cx="561810" cy="646331"/>
           </a:xfrm>
           <a:prstGeom prst="rect">
@@ -3242,7 +3246,7 @@
         </p:nvSpPr>
         <p:spPr>
           <a:xfrm>
-            <a:off x="5228864" y="4701212"/>
+            <a:off x="5228864" y="4724361"/>
             <a:ext cx="665982" cy="646331"/>
           </a:xfrm>
           <a:prstGeom prst="rect">
@@ -3277,7 +3281,7 @@
         </p:nvSpPr>
         <p:spPr>
           <a:xfrm>
-            <a:off x="5228864" y="3143451"/>
+            <a:off x="5228864" y="3166600"/>
             <a:ext cx="527104" cy="646331"/>
           </a:xfrm>
           <a:prstGeom prst="rect">
@@ -3312,13 +3316,17 @@
         </p:nvSpPr>
         <p:spPr>
           <a:xfrm>
-            <a:off x="5102288" y="1581834"/>
+            <a:off x="5102288" y="1604983"/>
             <a:ext cx="561809" cy="646331"/>
           </a:xfrm>
           <a:prstGeom prst="rect">
             <a:avLst/>
           </a:prstGeom>
-          <a:noFill/>
+          <a:solidFill>
+            <a:srgbClr val="FF0000">
+              <a:alpha val="50000"/>
+            </a:srgbClr>
+          </a:solidFill>
         </p:spPr>
         <p:txBody>
           <a:bodyPr wrap="square" rtlCol="0">
@@ -3348,13 +3356,17 @@
         </p:nvSpPr>
         <p:spPr>
           <a:xfrm>
-            <a:off x="6953035" y="3122235"/>
+            <a:off x="6953035" y="3145384"/>
             <a:ext cx="561809" cy="646331"/>
           </a:xfrm>
           <a:prstGeom prst="rect">
             <a:avLst/>
           </a:prstGeom>
-          <a:noFill/>
+          <a:solidFill>
+            <a:srgbClr val="FF0000">
+              <a:alpha val="50000"/>
+            </a:srgbClr>
+          </a:solidFill>
         </p:spPr>
         <p:txBody>
           <a:bodyPr wrap="square" rtlCol="0">
@@ -3384,7 +3396,7 @@
         </p:nvSpPr>
         <p:spPr>
           <a:xfrm>
-            <a:off x="6987987" y="1564474"/>
+            <a:off x="6987987" y="1587623"/>
             <a:ext cx="527104" cy="646331"/>
           </a:xfrm>
           <a:prstGeom prst="rect">
@@ -3420,7 +3432,7 @@
         </p:nvSpPr>
         <p:spPr>
           <a:xfrm>
-            <a:off x="6974623" y="4587396"/>
+            <a:off x="6974623" y="4610545"/>
             <a:ext cx="527104" cy="646331"/>
           </a:xfrm>
           <a:prstGeom prst="rect">
@@ -3445,6 +3457,161 @@
               <a:rPr lang="en-US" dirty="0"/>
               <a:t>4</a:t>
             </a:r>
+          </a:p>
+        </p:txBody>
+      </p:sp>
+      <p:sp>
+        <p:nvSpPr>
+          <p:cNvPr id="100" name="Rectangle 99"/>
+          <p:cNvSpPr/>
+          <p:nvPr/>
+        </p:nvSpPr>
+        <p:spPr>
+          <a:xfrm>
+            <a:off x="8389714" y="959773"/>
+            <a:ext cx="1701479" cy="555585"/>
+          </a:xfrm>
+          <a:prstGeom prst="rect">
+            <a:avLst/>
+          </a:prstGeom>
+          <a:noFill/>
+        </p:spPr>
+        <p:style>
+          <a:lnRef idx="2">
+            <a:schemeClr val="accent1">
+              <a:shade val="50000"/>
+            </a:schemeClr>
+          </a:lnRef>
+          <a:fillRef idx="1">
+            <a:schemeClr val="accent1"/>
+          </a:fillRef>
+          <a:effectRef idx="0">
+            <a:schemeClr val="accent1"/>
+          </a:effectRef>
+          <a:fontRef idx="minor">
+            <a:schemeClr val="lt1"/>
+          </a:fontRef>
+        </p:style>
+        <p:txBody>
+          <a:bodyPr rtlCol="0" anchor="ctr"/>
+          <a:lstStyle/>
+          <a:p>
+            <a:pPr algn="ctr"/>
+            <a:endParaRPr lang="en-US"/>
+          </a:p>
+        </p:txBody>
+      </p:sp>
+      <p:sp>
+        <p:nvSpPr>
+          <p:cNvPr id="101" name="TextBox 100"/>
+          <p:cNvSpPr txBox="1"/>
+          <p:nvPr/>
+        </p:nvSpPr>
+        <p:spPr>
+          <a:xfrm>
+            <a:off x="8528610" y="1020633"/>
+            <a:ext cx="1423686" cy="738664"/>
+          </a:xfrm>
+          <a:prstGeom prst="rect">
+            <a:avLst/>
+          </a:prstGeom>
+          <a:noFill/>
+        </p:spPr>
+        <p:txBody>
+          <a:bodyPr wrap="square" rtlCol="0">
+            <a:spAutoFit/>
+          </a:bodyPr>
+          <a:lstStyle/>
+          <a:p>
+            <a:r>
+              <a:rPr lang="en-US" sz="1200" dirty="0" smtClean="0"/>
+              <a:t>P: </a:t>
+            </a:r>
+            <a:r>
+              <a:rPr lang="en-US" sz="1200" dirty="0" err="1" smtClean="0"/>
+              <a:t>Processor_ID</a:t>
+            </a:r>
+            <a:endParaRPr lang="en-US" sz="1200" dirty="0" smtClean="0"/>
+          </a:p>
+          <a:p>
+            <a:r>
+              <a:rPr lang="en-US" sz="1200" dirty="0" smtClean="0"/>
+              <a:t>Number of Cells</a:t>
+            </a:r>
+          </a:p>
+          <a:p>
+            <a:endParaRPr lang="en-US" dirty="0"/>
+          </a:p>
+        </p:txBody>
+      </p:sp>
+      <p:sp>
+        <p:nvSpPr>
+          <p:cNvPr id="102" name="Rectangle 101"/>
+          <p:cNvSpPr/>
+          <p:nvPr/>
+        </p:nvSpPr>
+        <p:spPr>
+          <a:xfrm>
+            <a:off x="8389714" y="1695729"/>
+            <a:ext cx="1701479" cy="555585"/>
+          </a:xfrm>
+          <a:prstGeom prst="rect">
+            <a:avLst/>
+          </a:prstGeom>
+          <a:noFill/>
+        </p:spPr>
+        <p:style>
+          <a:lnRef idx="2">
+            <a:schemeClr val="accent1">
+              <a:shade val="50000"/>
+            </a:schemeClr>
+          </a:lnRef>
+          <a:fillRef idx="1">
+            <a:schemeClr val="accent1"/>
+          </a:fillRef>
+          <a:effectRef idx="0">
+            <a:schemeClr val="accent1"/>
+          </a:effectRef>
+          <a:fontRef idx="minor">
+            <a:schemeClr val="lt1"/>
+          </a:fontRef>
+        </p:style>
+        <p:txBody>
+          <a:bodyPr rtlCol="0" anchor="ctr"/>
+          <a:lstStyle/>
+          <a:p>
+            <a:pPr algn="ctr"/>
+            <a:endParaRPr lang="en-US"/>
+          </a:p>
+        </p:txBody>
+      </p:sp>
+      <p:sp>
+        <p:nvSpPr>
+          <p:cNvPr id="103" name="TextBox 102"/>
+          <p:cNvSpPr txBox="1"/>
+          <p:nvPr/>
+        </p:nvSpPr>
+        <p:spPr>
+          <a:xfrm>
+            <a:off x="8943737" y="1788855"/>
+            <a:ext cx="593432" cy="369332"/>
+          </a:xfrm>
+          <a:prstGeom prst="rect">
+            <a:avLst/>
+          </a:prstGeom>
+          <a:noFill/>
+        </p:spPr>
+        <p:txBody>
+          <a:bodyPr wrap="none" rtlCol="0">
+            <a:spAutoFit/>
+          </a:bodyPr>
+          <a:lstStyle/>
+          <a:p>
+            <a:r>
+              <a:rPr lang="en-US" smtClean="0"/>
+              <a:t>f = 2</a:t>
+            </a:r>
+            <a:endParaRPr lang="en-US"/>
           </a:p>
         </p:txBody>
       </p:sp>

--- a/CERT_talk/figures/OverloadingAndAMR.pptx
+++ b/CERT_talk/figures/OverloadingAndAMR.pptx
@@ -8,6 +8,9 @@
     <p:sldId id="256" r:id="rId2"/>
     <p:sldId id="257" r:id="rId3"/>
     <p:sldId id="258" r:id="rId4"/>
+    <p:sldId id="259" r:id="rId5"/>
+    <p:sldId id="260" r:id="rId6"/>
+    <p:sldId id="261" r:id="rId7"/>
   </p:sldIdLst>
   <p:sldSz cx="12192000" cy="6858000"/>
   <p:notesSz cx="6858000" cy="9144000"/>
@@ -5639,6 +5642,699 @@
 </p:sld>
 </file>
 
+<file path=ppt/slides/slide4.xml><?xml version="1.0" encoding="utf-8"?>
+<p:sld xmlns:a="http://schemas.openxmlformats.org/drawingml/2006/main" xmlns:r="http://schemas.openxmlformats.org/officeDocument/2006/relationships" xmlns:p="http://schemas.openxmlformats.org/presentationml/2006/main">
+  <p:cSld>
+    <p:spTree>
+      <p:nvGrpSpPr>
+        <p:cNvPr id="1" name=""/>
+        <p:cNvGrpSpPr/>
+        <p:nvPr/>
+      </p:nvGrpSpPr>
+      <p:grpSpPr>
+        <a:xfrm>
+          <a:off x="0" y="0"/>
+          <a:ext cx="0" cy="0"/>
+          <a:chOff x="0" y="0"/>
+          <a:chExt cx="0" cy="0"/>
+        </a:xfrm>
+      </p:grpSpPr>
+      <p:sp>
+        <p:nvSpPr>
+          <p:cNvPr id="5" name="Rectangle 4"/>
+          <p:cNvSpPr/>
+          <p:nvPr/>
+        </p:nvSpPr>
+        <p:spPr>
+          <a:xfrm>
+            <a:off x="3611301" y="1006997"/>
+            <a:ext cx="5474825" cy="4595149"/>
+          </a:xfrm>
+          <a:prstGeom prst="rect">
+            <a:avLst/>
+          </a:prstGeom>
+          <a:noFill/>
+        </p:spPr>
+        <p:style>
+          <a:lnRef idx="2">
+            <a:schemeClr val="accent1">
+              <a:shade val="50000"/>
+            </a:schemeClr>
+          </a:lnRef>
+          <a:fillRef idx="1">
+            <a:schemeClr val="accent1"/>
+          </a:fillRef>
+          <a:effectRef idx="0">
+            <a:schemeClr val="accent1"/>
+          </a:effectRef>
+          <a:fontRef idx="minor">
+            <a:schemeClr val="lt1"/>
+          </a:fontRef>
+        </p:style>
+        <p:txBody>
+          <a:bodyPr rtlCol="0" anchor="ctr"/>
+          <a:lstStyle/>
+          <a:p>
+            <a:pPr algn="ctr"/>
+            <a:endParaRPr lang="en-US"/>
+          </a:p>
+        </p:txBody>
+      </p:sp>
+      <p:cxnSp>
+        <p:nvCxnSpPr>
+          <p:cNvPr id="6" name="Straight Connector 5"/>
+          <p:cNvCxnSpPr/>
+          <p:nvPr/>
+        </p:nvCxnSpPr>
+        <p:spPr>
+          <a:xfrm>
+            <a:off x="7292050" y="1006997"/>
+            <a:ext cx="0" cy="4595149"/>
+          </a:xfrm>
+          <a:prstGeom prst="line">
+            <a:avLst/>
+          </a:prstGeom>
+        </p:spPr>
+        <p:style>
+          <a:lnRef idx="1">
+            <a:schemeClr val="accent1"/>
+          </a:lnRef>
+          <a:fillRef idx="0">
+            <a:schemeClr val="accent1"/>
+          </a:fillRef>
+          <a:effectRef idx="0">
+            <a:schemeClr val="accent1"/>
+          </a:effectRef>
+          <a:fontRef idx="minor">
+            <a:schemeClr val="tx1"/>
+          </a:fontRef>
+        </p:style>
+      </p:cxnSp>
+      <p:cxnSp>
+        <p:nvCxnSpPr>
+          <p:cNvPr id="7" name="Straight Connector 6"/>
+          <p:cNvCxnSpPr/>
+          <p:nvPr/>
+        </p:nvCxnSpPr>
+        <p:spPr>
+          <a:xfrm>
+            <a:off x="5349433" y="1006997"/>
+            <a:ext cx="0" cy="4595149"/>
+          </a:xfrm>
+          <a:prstGeom prst="line">
+            <a:avLst/>
+          </a:prstGeom>
+        </p:spPr>
+        <p:style>
+          <a:lnRef idx="1">
+            <a:schemeClr val="accent1"/>
+          </a:lnRef>
+          <a:fillRef idx="0">
+            <a:schemeClr val="accent1"/>
+          </a:fillRef>
+          <a:effectRef idx="0">
+            <a:schemeClr val="accent1"/>
+          </a:effectRef>
+          <a:fontRef idx="minor">
+            <a:schemeClr val="tx1"/>
+          </a:fontRef>
+        </p:style>
+      </p:cxnSp>
+      <p:cxnSp>
+        <p:nvCxnSpPr>
+          <p:cNvPr id="8" name="Straight Connector 7"/>
+          <p:cNvCxnSpPr/>
+          <p:nvPr/>
+        </p:nvCxnSpPr>
+        <p:spPr>
+          <a:xfrm>
+            <a:off x="3611301" y="2465408"/>
+            <a:ext cx="5474825" cy="0"/>
+          </a:xfrm>
+          <a:prstGeom prst="line">
+            <a:avLst/>
+          </a:prstGeom>
+        </p:spPr>
+        <p:style>
+          <a:lnRef idx="1">
+            <a:schemeClr val="accent1"/>
+          </a:lnRef>
+          <a:fillRef idx="0">
+            <a:schemeClr val="accent1"/>
+          </a:fillRef>
+          <a:effectRef idx="0">
+            <a:schemeClr val="accent1"/>
+          </a:effectRef>
+          <a:fontRef idx="minor">
+            <a:schemeClr val="tx1"/>
+          </a:fontRef>
+        </p:style>
+      </p:cxnSp>
+      <p:cxnSp>
+        <p:nvCxnSpPr>
+          <p:cNvPr id="9" name="Straight Connector 8"/>
+          <p:cNvCxnSpPr/>
+          <p:nvPr/>
+        </p:nvCxnSpPr>
+        <p:spPr>
+          <a:xfrm>
+            <a:off x="3611301" y="4122516"/>
+            <a:ext cx="5474825" cy="0"/>
+          </a:xfrm>
+          <a:prstGeom prst="line">
+            <a:avLst/>
+          </a:prstGeom>
+        </p:spPr>
+        <p:style>
+          <a:lnRef idx="1">
+            <a:schemeClr val="accent1"/>
+          </a:lnRef>
+          <a:fillRef idx="0">
+            <a:schemeClr val="accent1"/>
+          </a:fillRef>
+          <a:effectRef idx="0">
+            <a:schemeClr val="accent1"/>
+          </a:effectRef>
+          <a:fontRef idx="minor">
+            <a:schemeClr val="tx1"/>
+          </a:fontRef>
+        </p:style>
+      </p:cxnSp>
+    </p:spTree>
+    <p:extLst>
+      <p:ext uri="{BB962C8B-B14F-4D97-AF65-F5344CB8AC3E}">
+        <p14:creationId xmlns:p14="http://schemas.microsoft.com/office/powerpoint/2010/main" val="1948012871"/>
+      </p:ext>
+    </p:extLst>
+  </p:cSld>
+  <p:clrMapOvr>
+    <a:masterClrMapping/>
+  </p:clrMapOvr>
+</p:sld>
+</file>
+
+<file path=ppt/slides/slide5.xml><?xml version="1.0" encoding="utf-8"?>
+<p:sld xmlns:a="http://schemas.openxmlformats.org/drawingml/2006/main" xmlns:r="http://schemas.openxmlformats.org/officeDocument/2006/relationships" xmlns:p="http://schemas.openxmlformats.org/presentationml/2006/main">
+  <p:cSld>
+    <p:spTree>
+      <p:nvGrpSpPr>
+        <p:cNvPr id="1" name=""/>
+        <p:cNvGrpSpPr/>
+        <p:nvPr/>
+      </p:nvGrpSpPr>
+      <p:grpSpPr>
+        <a:xfrm>
+          <a:off x="0" y="0"/>
+          <a:ext cx="0" cy="0"/>
+          <a:chOff x="0" y="0"/>
+          <a:chExt cx="0" cy="0"/>
+        </a:xfrm>
+      </p:grpSpPr>
+      <p:sp>
+        <p:nvSpPr>
+          <p:cNvPr id="4" name="Rectangle 3"/>
+          <p:cNvSpPr/>
+          <p:nvPr/>
+        </p:nvSpPr>
+        <p:spPr>
+          <a:xfrm>
+            <a:off x="3611301" y="1006997"/>
+            <a:ext cx="5474825" cy="4595149"/>
+          </a:xfrm>
+          <a:prstGeom prst="rect">
+            <a:avLst/>
+          </a:prstGeom>
+          <a:noFill/>
+        </p:spPr>
+        <p:style>
+          <a:lnRef idx="2">
+            <a:schemeClr val="accent1">
+              <a:shade val="50000"/>
+            </a:schemeClr>
+          </a:lnRef>
+          <a:fillRef idx="1">
+            <a:schemeClr val="accent1"/>
+          </a:fillRef>
+          <a:effectRef idx="0">
+            <a:schemeClr val="accent1"/>
+          </a:effectRef>
+          <a:fontRef idx="minor">
+            <a:schemeClr val="lt1"/>
+          </a:fontRef>
+        </p:style>
+        <p:txBody>
+          <a:bodyPr rtlCol="0" anchor="ctr"/>
+          <a:lstStyle/>
+          <a:p>
+            <a:pPr algn="ctr"/>
+            <a:endParaRPr lang="en-US"/>
+          </a:p>
+        </p:txBody>
+      </p:sp>
+      <p:cxnSp>
+        <p:nvCxnSpPr>
+          <p:cNvPr id="5" name="Straight Connector 4"/>
+          <p:cNvCxnSpPr/>
+          <p:nvPr/>
+        </p:nvCxnSpPr>
+        <p:spPr>
+          <a:xfrm>
+            <a:off x="8322197" y="1006997"/>
+            <a:ext cx="0" cy="4595149"/>
+          </a:xfrm>
+          <a:prstGeom prst="line">
+            <a:avLst/>
+          </a:prstGeom>
+        </p:spPr>
+        <p:style>
+          <a:lnRef idx="1">
+            <a:schemeClr val="accent1"/>
+          </a:lnRef>
+          <a:fillRef idx="0">
+            <a:schemeClr val="accent1"/>
+          </a:fillRef>
+          <a:effectRef idx="0">
+            <a:schemeClr val="accent1"/>
+          </a:effectRef>
+          <a:fontRef idx="minor">
+            <a:schemeClr val="tx1"/>
+          </a:fontRef>
+        </p:style>
+      </p:cxnSp>
+      <p:cxnSp>
+        <p:nvCxnSpPr>
+          <p:cNvPr id="6" name="Straight Connector 5"/>
+          <p:cNvCxnSpPr/>
+          <p:nvPr/>
+        </p:nvCxnSpPr>
+        <p:spPr>
+          <a:xfrm>
+            <a:off x="4492906" y="1006997"/>
+            <a:ext cx="0" cy="4595149"/>
+          </a:xfrm>
+          <a:prstGeom prst="line">
+            <a:avLst/>
+          </a:prstGeom>
+        </p:spPr>
+        <p:style>
+          <a:lnRef idx="1">
+            <a:schemeClr val="accent1"/>
+          </a:lnRef>
+          <a:fillRef idx="0">
+            <a:schemeClr val="accent1"/>
+          </a:fillRef>
+          <a:effectRef idx="0">
+            <a:schemeClr val="accent1"/>
+          </a:effectRef>
+          <a:fontRef idx="minor">
+            <a:schemeClr val="tx1"/>
+          </a:fontRef>
+        </p:style>
+      </p:cxnSp>
+      <p:cxnSp>
+        <p:nvCxnSpPr>
+          <p:cNvPr id="7" name="Straight Connector 6"/>
+          <p:cNvCxnSpPr/>
+          <p:nvPr/>
+        </p:nvCxnSpPr>
+        <p:spPr>
+          <a:xfrm>
+            <a:off x="3611301" y="2465408"/>
+            <a:ext cx="5474825" cy="0"/>
+          </a:xfrm>
+          <a:prstGeom prst="line">
+            <a:avLst/>
+          </a:prstGeom>
+        </p:spPr>
+        <p:style>
+          <a:lnRef idx="1">
+            <a:schemeClr val="accent1"/>
+          </a:lnRef>
+          <a:fillRef idx="0">
+            <a:schemeClr val="accent1"/>
+          </a:fillRef>
+          <a:effectRef idx="0">
+            <a:schemeClr val="accent1"/>
+          </a:effectRef>
+          <a:fontRef idx="minor">
+            <a:schemeClr val="tx1"/>
+          </a:fontRef>
+        </p:style>
+      </p:cxnSp>
+      <p:cxnSp>
+        <p:nvCxnSpPr>
+          <p:cNvPr id="8" name="Straight Connector 7"/>
+          <p:cNvCxnSpPr/>
+          <p:nvPr/>
+        </p:nvCxnSpPr>
+        <p:spPr>
+          <a:xfrm>
+            <a:off x="3611301" y="4122516"/>
+            <a:ext cx="5474825" cy="0"/>
+          </a:xfrm>
+          <a:prstGeom prst="line">
+            <a:avLst/>
+          </a:prstGeom>
+        </p:spPr>
+        <p:style>
+          <a:lnRef idx="1">
+            <a:schemeClr val="accent1"/>
+          </a:lnRef>
+          <a:fillRef idx="0">
+            <a:schemeClr val="accent1"/>
+          </a:fillRef>
+          <a:effectRef idx="0">
+            <a:schemeClr val="accent1"/>
+          </a:effectRef>
+          <a:fontRef idx="minor">
+            <a:schemeClr val="tx1"/>
+          </a:fontRef>
+        </p:style>
+      </p:cxnSp>
+    </p:spTree>
+    <p:extLst>
+      <p:ext uri="{BB962C8B-B14F-4D97-AF65-F5344CB8AC3E}">
+        <p14:creationId xmlns:p14="http://schemas.microsoft.com/office/powerpoint/2010/main" val="843387565"/>
+      </p:ext>
+    </p:extLst>
+  </p:cSld>
+  <p:clrMapOvr>
+    <a:masterClrMapping/>
+  </p:clrMapOvr>
+</p:sld>
+</file>
+
+<file path=ppt/slides/slide6.xml><?xml version="1.0" encoding="utf-8"?>
+<p:sld xmlns:a="http://schemas.openxmlformats.org/drawingml/2006/main" xmlns:r="http://schemas.openxmlformats.org/officeDocument/2006/relationships" xmlns:p="http://schemas.openxmlformats.org/presentationml/2006/main">
+  <p:cSld>
+    <p:spTree>
+      <p:nvGrpSpPr>
+        <p:cNvPr id="1" name=""/>
+        <p:cNvGrpSpPr/>
+        <p:nvPr/>
+      </p:nvGrpSpPr>
+      <p:grpSpPr>
+        <a:xfrm>
+          <a:off x="0" y="0"/>
+          <a:ext cx="0" cy="0"/>
+          <a:chOff x="0" y="0"/>
+          <a:chExt cx="0" cy="0"/>
+        </a:xfrm>
+      </p:grpSpPr>
+      <p:sp>
+        <p:nvSpPr>
+          <p:cNvPr id="4" name="Rectangle 3"/>
+          <p:cNvSpPr/>
+          <p:nvPr/>
+        </p:nvSpPr>
+        <p:spPr>
+          <a:xfrm>
+            <a:off x="3611301" y="1006997"/>
+            <a:ext cx="5474825" cy="4595149"/>
+          </a:xfrm>
+          <a:prstGeom prst="rect">
+            <a:avLst/>
+          </a:prstGeom>
+          <a:noFill/>
+        </p:spPr>
+        <p:style>
+          <a:lnRef idx="2">
+            <a:schemeClr val="accent1">
+              <a:shade val="50000"/>
+            </a:schemeClr>
+          </a:lnRef>
+          <a:fillRef idx="1">
+            <a:schemeClr val="accent1"/>
+          </a:fillRef>
+          <a:effectRef idx="0">
+            <a:schemeClr val="accent1"/>
+          </a:effectRef>
+          <a:fontRef idx="minor">
+            <a:schemeClr val="lt1"/>
+          </a:fontRef>
+        </p:style>
+        <p:txBody>
+          <a:bodyPr rtlCol="0" anchor="ctr"/>
+          <a:lstStyle/>
+          <a:p>
+            <a:pPr algn="ctr"/>
+            <a:endParaRPr lang="en-US"/>
+          </a:p>
+        </p:txBody>
+      </p:sp>
+      <p:cxnSp>
+        <p:nvCxnSpPr>
+          <p:cNvPr id="5" name="Straight Connector 4"/>
+          <p:cNvCxnSpPr/>
+          <p:nvPr/>
+        </p:nvCxnSpPr>
+        <p:spPr>
+          <a:xfrm>
+            <a:off x="8322197" y="1006997"/>
+            <a:ext cx="0" cy="4595149"/>
+          </a:xfrm>
+          <a:prstGeom prst="line">
+            <a:avLst/>
+          </a:prstGeom>
+        </p:spPr>
+        <p:style>
+          <a:lnRef idx="1">
+            <a:schemeClr val="accent1"/>
+          </a:lnRef>
+          <a:fillRef idx="0">
+            <a:schemeClr val="accent1"/>
+          </a:fillRef>
+          <a:effectRef idx="0">
+            <a:schemeClr val="accent1"/>
+          </a:effectRef>
+          <a:fontRef idx="minor">
+            <a:schemeClr val="tx1"/>
+          </a:fontRef>
+        </p:style>
+      </p:cxnSp>
+      <p:cxnSp>
+        <p:nvCxnSpPr>
+          <p:cNvPr id="6" name="Straight Connector 5"/>
+          <p:cNvCxnSpPr/>
+          <p:nvPr/>
+        </p:nvCxnSpPr>
+        <p:spPr>
+          <a:xfrm>
+            <a:off x="4492906" y="1006997"/>
+            <a:ext cx="0" cy="4595149"/>
+          </a:xfrm>
+          <a:prstGeom prst="line">
+            <a:avLst/>
+          </a:prstGeom>
+        </p:spPr>
+        <p:style>
+          <a:lnRef idx="1">
+            <a:schemeClr val="accent1"/>
+          </a:lnRef>
+          <a:fillRef idx="0">
+            <a:schemeClr val="accent1"/>
+          </a:fillRef>
+          <a:effectRef idx="0">
+            <a:schemeClr val="accent1"/>
+          </a:effectRef>
+          <a:fontRef idx="minor">
+            <a:schemeClr val="tx1"/>
+          </a:fontRef>
+        </p:style>
+      </p:cxnSp>
+      <p:cxnSp>
+        <p:nvCxnSpPr>
+          <p:cNvPr id="7" name="Straight Connector 6"/>
+          <p:cNvCxnSpPr/>
+          <p:nvPr/>
+        </p:nvCxnSpPr>
+        <p:spPr>
+          <a:xfrm>
+            <a:off x="3611301" y="2465408"/>
+            <a:ext cx="881605" cy="0"/>
+          </a:xfrm>
+          <a:prstGeom prst="line">
+            <a:avLst/>
+          </a:prstGeom>
+        </p:spPr>
+        <p:style>
+          <a:lnRef idx="1">
+            <a:schemeClr val="accent1"/>
+          </a:lnRef>
+          <a:fillRef idx="0">
+            <a:schemeClr val="accent1"/>
+          </a:fillRef>
+          <a:effectRef idx="0">
+            <a:schemeClr val="accent1"/>
+          </a:effectRef>
+          <a:fontRef idx="minor">
+            <a:schemeClr val="tx1"/>
+          </a:fontRef>
+        </p:style>
+      </p:cxnSp>
+      <p:cxnSp>
+        <p:nvCxnSpPr>
+          <p:cNvPr id="10" name="Straight Connector 9"/>
+          <p:cNvCxnSpPr/>
+          <p:nvPr/>
+        </p:nvCxnSpPr>
+        <p:spPr>
+          <a:xfrm>
+            <a:off x="3611301" y="4469757"/>
+            <a:ext cx="881605" cy="0"/>
+          </a:xfrm>
+          <a:prstGeom prst="line">
+            <a:avLst/>
+          </a:prstGeom>
+        </p:spPr>
+        <p:style>
+          <a:lnRef idx="1">
+            <a:schemeClr val="accent1"/>
+          </a:lnRef>
+          <a:fillRef idx="0">
+            <a:schemeClr val="accent1"/>
+          </a:fillRef>
+          <a:effectRef idx="0">
+            <a:schemeClr val="accent1"/>
+          </a:effectRef>
+          <a:fontRef idx="minor">
+            <a:schemeClr val="tx1"/>
+          </a:fontRef>
+        </p:style>
+      </p:cxnSp>
+      <p:cxnSp>
+        <p:nvCxnSpPr>
+          <p:cNvPr id="11" name="Straight Connector 10"/>
+          <p:cNvCxnSpPr/>
+          <p:nvPr/>
+        </p:nvCxnSpPr>
+        <p:spPr>
+          <a:xfrm flipV="1">
+            <a:off x="8322197" y="4004841"/>
+            <a:ext cx="763929" cy="3858"/>
+          </a:xfrm>
+          <a:prstGeom prst="line">
+            <a:avLst/>
+          </a:prstGeom>
+        </p:spPr>
+        <p:style>
+          <a:lnRef idx="1">
+            <a:schemeClr val="accent1"/>
+          </a:lnRef>
+          <a:fillRef idx="0">
+            <a:schemeClr val="accent1"/>
+          </a:fillRef>
+          <a:effectRef idx="0">
+            <a:schemeClr val="accent1"/>
+          </a:effectRef>
+          <a:fontRef idx="minor">
+            <a:schemeClr val="tx1"/>
+          </a:fontRef>
+        </p:style>
+      </p:cxnSp>
+      <p:cxnSp>
+        <p:nvCxnSpPr>
+          <p:cNvPr id="13" name="Straight Connector 12"/>
+          <p:cNvCxnSpPr/>
+          <p:nvPr/>
+        </p:nvCxnSpPr>
+        <p:spPr>
+          <a:xfrm flipV="1">
+            <a:off x="8322196" y="1736203"/>
+            <a:ext cx="763930" cy="1929"/>
+          </a:xfrm>
+          <a:prstGeom prst="line">
+            <a:avLst/>
+          </a:prstGeom>
+        </p:spPr>
+        <p:style>
+          <a:lnRef idx="1">
+            <a:schemeClr val="accent1"/>
+          </a:lnRef>
+          <a:fillRef idx="0">
+            <a:schemeClr val="accent1"/>
+          </a:fillRef>
+          <a:effectRef idx="0">
+            <a:schemeClr val="accent1"/>
+          </a:effectRef>
+          <a:fontRef idx="minor">
+            <a:schemeClr val="tx1"/>
+          </a:fontRef>
+        </p:style>
+      </p:cxnSp>
+      <p:cxnSp>
+        <p:nvCxnSpPr>
+          <p:cNvPr id="16" name="Straight Connector 15"/>
+          <p:cNvCxnSpPr/>
+          <p:nvPr/>
+        </p:nvCxnSpPr>
+        <p:spPr>
+          <a:xfrm flipV="1">
+            <a:off x="4492907" y="2733554"/>
+            <a:ext cx="3829290" cy="13504"/>
+          </a:xfrm>
+          <a:prstGeom prst="line">
+            <a:avLst/>
+          </a:prstGeom>
+        </p:spPr>
+        <p:style>
+          <a:lnRef idx="1">
+            <a:schemeClr val="accent1"/>
+          </a:lnRef>
+          <a:fillRef idx="0">
+            <a:schemeClr val="accent1"/>
+          </a:fillRef>
+          <a:effectRef idx="0">
+            <a:schemeClr val="accent1"/>
+          </a:effectRef>
+          <a:fontRef idx="minor">
+            <a:schemeClr val="tx1"/>
+          </a:fontRef>
+        </p:style>
+      </p:cxnSp>
+      <p:cxnSp>
+        <p:nvCxnSpPr>
+          <p:cNvPr id="18" name="Straight Connector 17"/>
+          <p:cNvCxnSpPr/>
+          <p:nvPr/>
+        </p:nvCxnSpPr>
+        <p:spPr>
+          <a:xfrm flipV="1">
+            <a:off x="4492906" y="3742480"/>
+            <a:ext cx="3829290" cy="13504"/>
+          </a:xfrm>
+          <a:prstGeom prst="line">
+            <a:avLst/>
+          </a:prstGeom>
+        </p:spPr>
+        <p:style>
+          <a:lnRef idx="1">
+            <a:schemeClr val="accent1"/>
+          </a:lnRef>
+          <a:fillRef idx="0">
+            <a:schemeClr val="accent1"/>
+          </a:fillRef>
+          <a:effectRef idx="0">
+            <a:schemeClr val="accent1"/>
+          </a:effectRef>
+          <a:fontRef idx="minor">
+            <a:schemeClr val="tx1"/>
+          </a:fontRef>
+        </p:style>
+      </p:cxnSp>
+    </p:spTree>
+    <p:extLst>
+      <p:ext uri="{BB962C8B-B14F-4D97-AF65-F5344CB8AC3E}">
+        <p14:creationId xmlns:p14="http://schemas.microsoft.com/office/powerpoint/2010/main" val="431903589"/>
+      </p:ext>
+    </p:extLst>
+  </p:cSld>
+  <p:clrMapOvr>
+    <a:masterClrMapping/>
+  </p:clrMapOvr>
+</p:sld>
+</file>
+
 <file path=ppt/theme/theme1.xml><?xml version="1.0" encoding="utf-8"?>
 <a:theme xmlns:a="http://schemas.openxmlformats.org/drawingml/2006/main" name="Office Theme">
   <a:themeElements>
